--- a/Final Presentation.pptx
+++ b/Final Presentation.pptx
@@ -8791,7 +8791,7 @@
         </p:spPr>
         <p:txBody>
           <a:bodyPr>
-            <a:normAutofit/>
+            <a:normAutofit lnSpcReduction="10000"/>
           </a:bodyPr>
           <a:lstStyle/>
           <a:p>
@@ -8806,12 +8806,30 @@
           </a:p>
           <a:p>
             <a:r>
+              <a:rPr lang="en-US" sz="1700">
+                <a:solidFill>
+                  <a:srgbClr val="FFFFFF"/>
+                </a:solidFill>
+              </a:rPr>
+              <a:t>By </a:t>
+            </a:r>
+          </a:p>
+          <a:p>
+            <a:r>
+              <a:rPr lang="en-US" sz="1700">
+                <a:solidFill>
+                  <a:srgbClr val="FFFFFF"/>
+                </a:solidFill>
+              </a:rPr>
+              <a:t>Parveen </a:t>
+            </a:r>
+            <a:r>
               <a:rPr lang="en-US" sz="1700" dirty="0">
                 <a:solidFill>
                   <a:srgbClr val="FFFFFF"/>
                 </a:solidFill>
               </a:rPr>
-              <a:t>Parveen A</a:t>
+              <a:t>A</a:t>
             </a:r>
           </a:p>
         </p:txBody>

--- a/Final Presentation.pptx
+++ b/Final Presentation.pptx
@@ -8791,7 +8791,7 @@
         </p:spPr>
         <p:txBody>
           <a:bodyPr>
-            <a:normAutofit lnSpcReduction="10000"/>
+            <a:normAutofit/>
           </a:bodyPr>
           <a:lstStyle/>
           <a:p>
@@ -8811,17 +8811,7 @@
                   <a:srgbClr val="FFFFFF"/>
                 </a:solidFill>
               </a:rPr>
-              <a:t>By </a:t>
-            </a:r>
-          </a:p>
-          <a:p>
-            <a:r>
-              <a:rPr lang="en-US" sz="1700">
-                <a:solidFill>
-                  <a:srgbClr val="FFFFFF"/>
-                </a:solidFill>
-              </a:rPr>
-              <a:t>Parveen </a:t>
+              <a:t>-Parveen </a:t>
             </a:r>
             <a:r>
               <a:rPr lang="en-US" sz="1700" dirty="0">
